--- a/cse106/slides/7.Counting.pptx
+++ b/cse106/slides/7.Counting.pptx
@@ -9510,13 +9510,7 @@
               <a:rPr lang="en" dirty="0">
                 <a:latin typeface="Comic Sans MS" panose="030F0702030302020204" pitchFamily="66" charset="0"/>
               </a:rPr>
-              <a:t>Problem </a:t>
-            </a:r>
-            <a:r>
-              <a:rPr lang="en" dirty="0">
-                <a:latin typeface="Comic Sans MS" panose="030F0702030302020204" pitchFamily="66" charset="0"/>
-              </a:rPr>
-              <a:t>4</a:t>
+              <a:t>Problem 4</a:t>
             </a:r>
             <a:r>
               <a:rPr lang="en" dirty="0" smtClean="0">
@@ -9696,13 +9690,7 @@
               <a:rPr lang="en" dirty="0">
                 <a:latin typeface="Comic Sans MS" panose="030F0702030302020204" pitchFamily="66" charset="0"/>
               </a:rPr>
-              <a:t>Problem </a:t>
-            </a:r>
-            <a:r>
-              <a:rPr lang="en" dirty="0">
-                <a:latin typeface="Comic Sans MS" panose="030F0702030302020204" pitchFamily="66" charset="0"/>
-              </a:rPr>
-              <a:t>4</a:t>
+              <a:t>Problem 4</a:t>
             </a:r>
             <a:r>
               <a:rPr lang="en" dirty="0" smtClean="0">
@@ -9987,13 +9975,7 @@
               <a:rPr lang="en" dirty="0">
                 <a:latin typeface="Comic Sans MS" panose="030F0702030302020204" pitchFamily="66" charset="0"/>
               </a:rPr>
-              <a:t>Problem </a:t>
-            </a:r>
-            <a:r>
-              <a:rPr lang="en" dirty="0">
-                <a:latin typeface="Comic Sans MS" panose="030F0702030302020204" pitchFamily="66" charset="0"/>
-              </a:rPr>
-              <a:t>4</a:t>
+              <a:t>Problem 4</a:t>
             </a:r>
             <a:r>
               <a:rPr lang="en" dirty="0" smtClean="0">
@@ -10583,8 +10565,8 @@
         </p:nvSpPr>
         <p:spPr>
           <a:xfrm>
-            <a:off x="311700" y="1152475"/>
-            <a:ext cx="8520600" cy="1705025"/>
+            <a:off x="311700" y="1152476"/>
+            <a:ext cx="8520600" cy="840712"/>
           </a:xfrm>
         </p:spPr>
         <p:txBody>
@@ -10684,83 +10666,12 @@
               </a:rPr>
               <a:t>.</a:t>
             </a:r>
-          </a:p>
-          <a:p>
-            <a:pPr marL="114300" indent="0">
-              <a:buNone/>
-            </a:pPr>
-            <a:r>
-              <a:rPr lang="en-US" dirty="0">
-                <a:solidFill>
-                  <a:schemeClr val="tx1"/>
-                </a:solidFill>
-                <a:latin typeface="Comic Sans MS" panose="030F0702030302020204" pitchFamily="66" charset="0"/>
-              </a:rPr>
-              <a:t>If </a:t>
-            </a:r>
-            <a:r>
-              <a:rPr lang="en-US" i="1" dirty="0">
-                <a:solidFill>
-                  <a:schemeClr val="tx1"/>
-                </a:solidFill>
-                <a:latin typeface="Comic Sans MS" panose="030F0702030302020204" pitchFamily="66" charset="0"/>
-              </a:rPr>
-              <a:t>N </a:t>
-            </a:r>
-            <a:r>
-              <a:rPr lang="en-US" dirty="0">
-                <a:solidFill>
-                  <a:schemeClr val="tx1"/>
-                </a:solidFill>
-                <a:latin typeface="Comic Sans MS" panose="030F0702030302020204" pitchFamily="66" charset="0"/>
-              </a:rPr>
-              <a:t>objects are placed into </a:t>
-            </a:r>
-            <a:r>
-              <a:rPr lang="en-US" i="1" dirty="0" smtClean="0">
-                <a:solidFill>
-                  <a:schemeClr val="tx1"/>
-                </a:solidFill>
-                <a:latin typeface="Comic Sans MS" panose="030F0702030302020204" pitchFamily="66" charset="0"/>
-              </a:rPr>
-              <a:t>k </a:t>
-            </a:r>
-            <a:r>
-              <a:rPr lang="en-US" dirty="0" smtClean="0">
-                <a:solidFill>
-                  <a:schemeClr val="tx1"/>
-                </a:solidFill>
-                <a:latin typeface="Comic Sans MS" panose="030F0702030302020204" pitchFamily="66" charset="0"/>
-              </a:rPr>
-              <a:t>boxes</a:t>
-            </a:r>
-            <a:r>
-              <a:rPr lang="en-US" dirty="0">
-                <a:solidFill>
-                  <a:schemeClr val="tx1"/>
-                </a:solidFill>
-                <a:latin typeface="Comic Sans MS" panose="030F0702030302020204" pitchFamily="66" charset="0"/>
-              </a:rPr>
-              <a:t>, then there is at least one box containing at least </a:t>
-            </a:r>
-            <a:r>
-              <a:rPr lang="en-US" i="1" dirty="0">
-                <a:solidFill>
-                  <a:schemeClr val="tx1"/>
-                </a:solidFill>
-                <a:latin typeface="Comic Sans MS" panose="030F0702030302020204" pitchFamily="66" charset="0"/>
-              </a:rPr>
-              <a:t>N/k</a:t>
-            </a:r>
-            <a:r>
-              <a:rPr lang="en-US" dirty="0">
-                <a:solidFill>
-                  <a:schemeClr val="tx1"/>
-                </a:solidFill>
-                <a:latin typeface="Comic Sans MS" panose="030F0702030302020204" pitchFamily="66" charset="0"/>
-              </a:rPr>
-              <a:t> objects.</a:t>
-            </a:r>
+            <a:endParaRPr lang="en-US" dirty="0" smtClean="0">
+              <a:solidFill>
+                <a:schemeClr val="tx1"/>
+              </a:solidFill>
+              <a:latin typeface="Comic Sans MS" panose="030F0702030302020204" pitchFamily="66" charset="0"/>
+            </a:endParaRPr>
           </a:p>
         </p:txBody>
       </p:sp>
@@ -11072,16 +10983,43 @@
                 </a:solidFill>
                 <a:latin typeface="Comic Sans MS" panose="030F0702030302020204" pitchFamily="66" charset="0"/>
               </a:rPr>
-              <a:t>, then there is at least one box containing at least </a:t>
-            </a:r>
-            <a:r>
-              <a:rPr lang="en-US" i="1" dirty="0">
+              <a:t>, then there is at least one box containing at </a:t>
+            </a:r>
+            <a:r>
+              <a:rPr lang="en-US">
                 <a:solidFill>
                   <a:schemeClr val="tx1"/>
                 </a:solidFill>
                 <a:latin typeface="Comic Sans MS" panose="030F0702030302020204" pitchFamily="66" charset="0"/>
               </a:rPr>
-              <a:t>N/k</a:t>
+              <a:t>least </a:t>
+            </a:r>
+            <a:r>
+              <a:rPr lang="en-US" smtClean="0">
+                <a:solidFill>
+                  <a:schemeClr val="tx1"/>
+                </a:solidFill>
+                <a:latin typeface="Comic Sans MS" panose="030F0702030302020204" pitchFamily="66" charset="0"/>
+              </a:rPr>
+              <a:t>ceiling(</a:t>
+            </a:r>
+            <a:r>
+              <a:rPr lang="en-US" i="1" smtClean="0">
+                <a:solidFill>
+                  <a:schemeClr val="tx1"/>
+                </a:solidFill>
+                <a:latin typeface="Comic Sans MS" panose="030F0702030302020204" pitchFamily="66" charset="0"/>
+              </a:rPr>
+              <a:t>N/k)</a:t>
+            </a:r>
+            <a:r>
+              <a:rPr lang="en-US" smtClean="0">
+                <a:solidFill>
+                  <a:schemeClr val="tx1"/>
+                </a:solidFill>
+                <a:latin typeface="Comic Sans MS" panose="030F0702030302020204" pitchFamily="66" charset="0"/>
+              </a:rPr>
+              <a:t> </a:t>
             </a:r>
             <a:r>
               <a:rPr lang="en-US" dirty="0">
@@ -11090,7 +11028,7 @@
                 </a:solidFill>
                 <a:latin typeface="Comic Sans MS" panose="030F0702030302020204" pitchFamily="66" charset="0"/>
               </a:rPr>
-              <a:t> objects</a:t>
+              <a:t>objects</a:t>
             </a:r>
             <a:r>
               <a:rPr lang="en-US" dirty="0" smtClean="0">
@@ -12879,25 +12817,7 @@
                 </a:solidFill>
                 <a:latin typeface="Comic Sans MS" panose="030F0702030302020204" pitchFamily="66" charset="0"/>
               </a:rPr>
-              <a:t>How many </a:t>
-            </a:r>
-            <a:r>
-              <a:rPr lang="en-US" dirty="0" smtClean="0">
-                <a:solidFill>
-                  <a:schemeClr val="tx1"/>
-                </a:solidFill>
-                <a:latin typeface="Comic Sans MS" panose="030F0702030302020204" pitchFamily="66" charset="0"/>
-              </a:rPr>
-              <a:t>10 </a:t>
-            </a:r>
-            <a:r>
-              <a:rPr lang="en-US" dirty="0" smtClean="0">
-                <a:solidFill>
-                  <a:schemeClr val="tx1"/>
-                </a:solidFill>
-                <a:latin typeface="Comic Sans MS" panose="030F0702030302020204" pitchFamily="66" charset="0"/>
-              </a:rPr>
-              <a:t>digit numbers?</a:t>
+              <a:t>How many 10 digit numbers?</a:t>
             </a:r>
             <a:endParaRPr dirty="0">
               <a:solidFill>
